--- a/PPT_slides/Ting part.pptx
+++ b/PPT_slides/Ting part.pptx
@@ -5,31 +5,32 @@
     <p:sldMasterId id="2147483659" r:id="rId1"/>
   </p:sldMasterIdLst>
   <p:notesMasterIdLst>
-    <p:notesMasterId r:id="rId6"/>
+    <p:notesMasterId r:id="rId7"/>
   </p:notesMasterIdLst>
   <p:handoutMasterIdLst>
-    <p:handoutMasterId r:id="rId7"/>
+    <p:handoutMasterId r:id="rId8"/>
   </p:handoutMasterIdLst>
   <p:sldIdLst>
     <p:sldId id="256" r:id="rId2"/>
     <p:sldId id="257" r:id="rId3"/>
     <p:sldId id="258" r:id="rId4"/>
     <p:sldId id="260" r:id="rId5"/>
+    <p:sldId id="261" r:id="rId6"/>
   </p:sldIdLst>
   <p:sldSz cx="9144000" cy="5143500" type="screen16x9"/>
   <p:notesSz cx="6858000" cy="9144000"/>
   <p:embeddedFontLst>
     <p:embeddedFont>
       <p:font typeface="Oswald" panose="020B0604020202020204" charset="0"/>
-      <p:regular r:id="rId8"/>
-      <p:bold r:id="rId9"/>
+      <p:regular r:id="rId9"/>
+      <p:bold r:id="rId10"/>
     </p:embeddedFont>
     <p:embeddedFont>
       <p:font typeface="Source Sans Pro" panose="020B0503030403020204" pitchFamily="34" charset="0"/>
-      <p:regular r:id="rId10"/>
-      <p:bold r:id="rId11"/>
-      <p:italic r:id="rId12"/>
-      <p:boldItalic r:id="rId13"/>
+      <p:regular r:id="rId11"/>
+      <p:bold r:id="rId12"/>
+      <p:italic r:id="rId13"/>
+      <p:boldItalic r:id="rId14"/>
     </p:embeddedFont>
   </p:embeddedFontLst>
   <p:defaultTextStyle>
@@ -924,6 +925,22 @@
       </pc:sldMasterChg>
     </pc:docChg>
   </pc:docChgLst>
+  <pc:docChgLst>
+    <pc:chgData name="Ting Jennings" userId="90427f42-d4f6-4eed-b200-c0348edb0b75" providerId="ADAL" clId="{8E71FA8B-B8AF-4AD2-B16C-EDD9E4A1741E}"/>
+    <pc:docChg chg="addSld">
+      <pc:chgData name="Ting Jennings" userId="90427f42-d4f6-4eed-b200-c0348edb0b75" providerId="ADAL" clId="{8E71FA8B-B8AF-4AD2-B16C-EDD9E4A1741E}" dt="2021-05-01T22:15:44.873" v="0" actId="680"/>
+      <pc:docMkLst>
+        <pc:docMk/>
+      </pc:docMkLst>
+      <pc:sldChg chg="new">
+        <pc:chgData name="Ting Jennings" userId="90427f42-d4f6-4eed-b200-c0348edb0b75" providerId="ADAL" clId="{8E71FA8B-B8AF-4AD2-B16C-EDD9E4A1741E}" dt="2021-05-01T22:15:44.873" v="0" actId="680"/>
+        <pc:sldMkLst>
+          <pc:docMk/>
+          <pc:sldMk cId="509204237" sldId="261"/>
+        </pc:sldMkLst>
+      </pc:sldChg>
+    </pc:docChg>
+  </pc:docChgLst>
 </pc:chgInfo>
 </file>
 
@@ -12567,6 +12584,99 @@
         </p:txBody>
       </p:sp>
     </p:spTree>
+  </p:cSld>
+  <p:clrMapOvr>
+    <a:masterClrMapping/>
+  </p:clrMapOvr>
+</p:sld>
+</file>
+
+<file path=ppt/slides/slide5.xml><?xml version="1.0" encoding="utf-8"?>
+<p:sld xmlns:a="http://schemas.openxmlformats.org/drawingml/2006/main" xmlns:r="http://schemas.openxmlformats.org/officeDocument/2006/relationships" xmlns:p="http://schemas.openxmlformats.org/presentationml/2006/main">
+  <p:cSld>
+    <p:spTree>
+      <p:nvGrpSpPr>
+        <p:cNvPr id="1" name=""/>
+        <p:cNvGrpSpPr/>
+        <p:nvPr/>
+      </p:nvGrpSpPr>
+      <p:grpSpPr>
+        <a:xfrm>
+          <a:off x="0" y="0"/>
+          <a:ext cx="0" cy="0"/>
+          <a:chOff x="0" y="0"/>
+          <a:chExt cx="0" cy="0"/>
+        </a:xfrm>
+      </p:grpSpPr>
+      <p:sp>
+        <p:nvSpPr>
+          <p:cNvPr id="2" name="Text Placeholder 1">
+            <a:extLst>
+              <a:ext uri="{FF2B5EF4-FFF2-40B4-BE49-F238E27FC236}">
+                <a16:creationId xmlns:a16="http://schemas.microsoft.com/office/drawing/2014/main" id="{773AB2CB-CD05-406E-ABEC-EBD291A71A44}"/>
+              </a:ext>
+            </a:extLst>
+          </p:cNvPr>
+          <p:cNvSpPr>
+            <a:spLocks noGrp="1"/>
+          </p:cNvSpPr>
+          <p:nvPr>
+            <p:ph type="body" idx="1"/>
+          </p:nvPr>
+        </p:nvSpPr>
+        <p:spPr/>
+        <p:txBody>
+          <a:bodyPr/>
+          <a:lstStyle/>
+          <a:p>
+            <a:endParaRPr lang="en-US"/>
+          </a:p>
+        </p:txBody>
+      </p:sp>
+      <p:sp>
+        <p:nvSpPr>
+          <p:cNvPr id="3" name="Slide Number Placeholder 2">
+            <a:extLst>
+              <a:ext uri="{FF2B5EF4-FFF2-40B4-BE49-F238E27FC236}">
+                <a16:creationId xmlns:a16="http://schemas.microsoft.com/office/drawing/2014/main" id="{A93013FC-A288-4509-B0B9-194B78136865}"/>
+              </a:ext>
+            </a:extLst>
+          </p:cNvPr>
+          <p:cNvSpPr>
+            <a:spLocks noGrp="1"/>
+          </p:cNvSpPr>
+          <p:nvPr>
+            <p:ph type="sldNum" idx="12"/>
+          </p:nvPr>
+        </p:nvSpPr>
+        <p:spPr/>
+        <p:txBody>
+          <a:bodyPr/>
+          <a:lstStyle/>
+          <a:p>
+            <a:pPr marL="0" lvl="0" indent="0" algn="r" rtl="0">
+              <a:spcBef>
+                <a:spcPts val="0"/>
+              </a:spcBef>
+              <a:spcAft>
+                <a:spcPts val="0"/>
+              </a:spcAft>
+              <a:buNone/>
+            </a:pPr>
+            <a:fld id="{00000000-1234-1234-1234-123412341234}" type="slidenum">
+              <a:rPr lang="en" smtClean="0"/>
+              <a:t>5</a:t>
+            </a:fld>
+            <a:endParaRPr lang="en"/>
+          </a:p>
+        </p:txBody>
+      </p:sp>
+    </p:spTree>
+    <p:extLst>
+      <p:ext uri="{BB962C8B-B14F-4D97-AF65-F5344CB8AC3E}">
+        <p14:creationId xmlns:p14="http://schemas.microsoft.com/office/powerpoint/2010/main" val="509204237"/>
+      </p:ext>
+    </p:extLst>
   </p:cSld>
   <p:clrMapOvr>
     <a:masterClrMapping/>
